--- a/semester2 PPT/PHP Basics.pptx
+++ b/semester2 PPT/PHP Basics.pptx
@@ -5,7 +5,7 @@
     <p:sldMasterId id="2147483660" r:id="rId4"/>
   </p:sldMasterIdLst>
   <p:notesMasterIdLst>
-    <p:notesMasterId r:id="rId48"/>
+    <p:notesMasterId r:id="rId49"/>
   </p:notesMasterIdLst>
   <p:sldIdLst>
     <p:sldId id="256" r:id="rId5"/>
@@ -51,11 +51,12 @@
     <p:sldId id="373" r:id="rId45"/>
     <p:sldId id="317" r:id="rId46"/>
     <p:sldId id="393" r:id="rId47"/>
+    <p:sldId id="395" r:id="rId48"/>
   </p:sldIdLst>
   <p:sldSz cx="12192000" cy="6858000"/>
   <p:notesSz cx="6858000" cy="9144000"/>
   <p:custDataLst>
-    <p:tags r:id="rId49"/>
+    <p:tags r:id="rId50"/>
   </p:custDataLst>
   <p:defaultTextStyle>
     <a:defPPr>
@@ -17852,6 +17853,564 @@
 </p:sld>
 </file>
 
+<file path=ppt/slides/slide44.xml><?xml version="1.0" encoding="utf-8"?>
+<p:sld xmlns:a="http://schemas.openxmlformats.org/drawingml/2006/main" xmlns:r="http://schemas.openxmlformats.org/officeDocument/2006/relationships" xmlns:p="http://schemas.openxmlformats.org/presentationml/2006/main">
+  <p:cSld>
+    <p:spTree>
+      <p:nvGrpSpPr>
+        <p:cNvPr id="1" name=""/>
+        <p:cNvGrpSpPr/>
+        <p:nvPr/>
+      </p:nvGrpSpPr>
+      <p:grpSpPr>
+        <a:xfrm>
+          <a:off x="0" y="0"/>
+          <a:ext cx="0" cy="0"/>
+          <a:chOff x="0" y="0"/>
+          <a:chExt cx="0" cy="0"/>
+        </a:xfrm>
+      </p:grpSpPr>
+      <p:sp>
+        <p:nvSpPr>
+          <p:cNvPr id="2" name="TextBox 1">
+            <a:extLst>
+              <a:ext uri="{FF2B5EF4-FFF2-40B4-BE49-F238E27FC236}">
+                <a16:creationId xmlns:a16="http://schemas.microsoft.com/office/drawing/2014/main" id="{65630D56-DAB7-1887-7D11-833AEDA84B15}"/>
+              </a:ext>
+            </a:extLst>
+          </p:cNvPr>
+          <p:cNvSpPr txBox="1"/>
+          <p:nvPr/>
+        </p:nvSpPr>
+        <p:spPr>
+          <a:xfrm>
+            <a:off x="1239520" y="792480"/>
+            <a:ext cx="11525784" cy="13942278"/>
+          </a:xfrm>
+          <a:prstGeom prst="rect">
+            <a:avLst/>
+          </a:prstGeom>
+          <a:noFill/>
+        </p:spPr>
+        <p:txBody>
+          <a:bodyPr wrap="none" rtlCol="0">
+            <a:spAutoFit/>
+          </a:bodyPr>
+          <a:lstStyle/>
+          <a:p>
+            <a:r>
+              <a:rPr lang="en-GB" b="1" dirty="0"/>
+              <a:t>Create a Simple PHP Login System</a:t>
+            </a:r>
+          </a:p>
+          <a:p>
+            <a:r>
+              <a:rPr lang="en-GB" b="1" dirty="0"/>
+              <a:t>Objective</a:t>
+            </a:r>
+          </a:p>
+          <a:p>
+            <a:r>
+              <a:rPr lang="en-GB" dirty="0"/>
+              <a:t>Create a simple login system using PHP and CSS that includes a login page, a welcome page, and a logout functionality.</a:t>
+            </a:r>
+          </a:p>
+          <a:p>
+            <a:r>
+              <a:rPr lang="en-GB" b="1" dirty="0"/>
+              <a:t>Requirements</a:t>
+            </a:r>
+          </a:p>
+          <a:p>
+            <a:pPr>
+              <a:buFont typeface="+mj-lt"/>
+              <a:buAutoNum type="arabicPeriod"/>
+            </a:pPr>
+            <a:r>
+              <a:rPr lang="en-GB" b="1" dirty="0"/>
+              <a:t>Create the following PHP files:</a:t>
+            </a:r>
+            <a:endParaRPr lang="en-GB" dirty="0"/>
+          </a:p>
+          <a:p>
+            <a:pPr marL="742950" lvl="1" indent="-285750">
+              <a:buFont typeface="+mj-lt"/>
+              <a:buAutoNum type="arabicPeriod"/>
+            </a:pPr>
+            <a:r>
+              <a:rPr lang="en-GB" dirty="0" err="1"/>
+              <a:t>login.php</a:t>
+            </a:r>
+            <a:endParaRPr lang="en-GB" dirty="0"/>
+          </a:p>
+          <a:p>
+            <a:pPr marL="742950" lvl="1" indent="-285750">
+              <a:buFont typeface="+mj-lt"/>
+              <a:buAutoNum type="arabicPeriod"/>
+            </a:pPr>
+            <a:r>
+              <a:rPr lang="en-GB" dirty="0" err="1"/>
+              <a:t>welcome.php</a:t>
+            </a:r>
+            <a:endParaRPr lang="en-GB" dirty="0"/>
+          </a:p>
+          <a:p>
+            <a:pPr marL="742950" lvl="1" indent="-285750">
+              <a:buFont typeface="+mj-lt"/>
+              <a:buAutoNum type="arabicPeriod"/>
+            </a:pPr>
+            <a:r>
+              <a:rPr lang="en-GB" dirty="0" err="1"/>
+              <a:t>logout.php</a:t>
+            </a:r>
+            <a:endParaRPr lang="en-GB" dirty="0"/>
+          </a:p>
+          <a:p>
+            <a:pPr>
+              <a:buFont typeface="+mj-lt"/>
+              <a:buAutoNum type="arabicPeriod"/>
+            </a:pPr>
+            <a:r>
+              <a:rPr lang="en-GB" b="1" dirty="0"/>
+              <a:t>Create a CSS file:</a:t>
+            </a:r>
+            <a:endParaRPr lang="en-GB" dirty="0"/>
+          </a:p>
+          <a:p>
+            <a:pPr marL="742950" lvl="1" indent="-285750">
+              <a:buFont typeface="+mj-lt"/>
+              <a:buAutoNum type="arabicPeriod"/>
+            </a:pPr>
+            <a:r>
+              <a:rPr lang="en-GB" dirty="0" err="1"/>
+              <a:t>styles.css</a:t>
+            </a:r>
+            <a:endParaRPr lang="en-GB" dirty="0"/>
+          </a:p>
+          <a:p>
+            <a:r>
+              <a:rPr lang="en-GB" b="1" dirty="0"/>
+              <a:t>Specifications</a:t>
+            </a:r>
+          </a:p>
+          <a:p>
+            <a:r>
+              <a:rPr lang="en-GB" b="1" dirty="0"/>
+              <a:t>1. </a:t>
+            </a:r>
+            <a:r>
+              <a:rPr lang="en-GB" b="1" dirty="0" err="1"/>
+              <a:t>login.php</a:t>
+            </a:r>
+            <a:endParaRPr lang="en-GB" b="1" dirty="0"/>
+          </a:p>
+          <a:p>
+            <a:pPr>
+              <a:buFont typeface="Arial" panose="020B0604020202020204" pitchFamily="34" charset="0"/>
+              <a:buChar char="•"/>
+            </a:pPr>
+            <a:r>
+              <a:rPr lang="en-GB" dirty="0"/>
+              <a:t>Create a login form that includes fields for username and password.</a:t>
+            </a:r>
+          </a:p>
+          <a:p>
+            <a:pPr>
+              <a:buFont typeface="Arial" panose="020B0604020202020204" pitchFamily="34" charset="0"/>
+              <a:buChar char="•"/>
+            </a:pPr>
+            <a:r>
+              <a:rPr lang="en-GB" dirty="0"/>
+              <a:t>Validate the login credentials against a hardcoded array of users (e.g., user1 with password1 and user2 with password2).</a:t>
+            </a:r>
+          </a:p>
+          <a:p>
+            <a:pPr>
+              <a:buFont typeface="Arial" panose="020B0604020202020204" pitchFamily="34" charset="0"/>
+              <a:buChar char="•"/>
+            </a:pPr>
+            <a:r>
+              <a:rPr lang="en-GB" dirty="0"/>
+              <a:t>If the login is successful, redirect the user to </a:t>
+            </a:r>
+            <a:r>
+              <a:rPr lang="en-GB" dirty="0" err="1"/>
+              <a:t>welcome.php</a:t>
+            </a:r>
+            <a:r>
+              <a:rPr lang="en-GB" dirty="0"/>
+              <a:t>.</a:t>
+            </a:r>
+          </a:p>
+          <a:p>
+            <a:pPr>
+              <a:buFont typeface="Arial" panose="020B0604020202020204" pitchFamily="34" charset="0"/>
+              <a:buChar char="•"/>
+            </a:pPr>
+            <a:r>
+              <a:rPr lang="en-GB" dirty="0"/>
+              <a:t>If the login fails, display an error message.</a:t>
+            </a:r>
+          </a:p>
+          <a:p>
+            <a:r>
+              <a:rPr lang="en-GB" b="1" dirty="0"/>
+              <a:t>Key Components:</a:t>
+            </a:r>
+            <a:endParaRPr lang="en-GB" dirty="0"/>
+          </a:p>
+          <a:p>
+            <a:pPr>
+              <a:buFont typeface="Arial" panose="020B0604020202020204" pitchFamily="34" charset="0"/>
+              <a:buChar char="•"/>
+            </a:pPr>
+            <a:r>
+              <a:rPr lang="en-GB" dirty="0"/>
+              <a:t>Use HTML forms (&lt;form&gt;).</a:t>
+            </a:r>
+          </a:p>
+          <a:p>
+            <a:pPr>
+              <a:buFont typeface="Arial" panose="020B0604020202020204" pitchFamily="34" charset="0"/>
+              <a:buChar char="•"/>
+            </a:pPr>
+            <a:r>
+              <a:rPr lang="en-GB" dirty="0"/>
+              <a:t>Implement PHP session handling.</a:t>
+            </a:r>
+          </a:p>
+          <a:p>
+            <a:pPr>
+              <a:buFont typeface="Arial" panose="020B0604020202020204" pitchFamily="34" charset="0"/>
+              <a:buChar char="•"/>
+            </a:pPr>
+            <a:r>
+              <a:rPr lang="en-GB" dirty="0"/>
+              <a:t>Style the form using CSS.</a:t>
+            </a:r>
+          </a:p>
+          <a:p>
+            <a:r>
+              <a:rPr lang="en-GB" b="1" dirty="0"/>
+              <a:t>2. </a:t>
+            </a:r>
+            <a:r>
+              <a:rPr lang="en-GB" b="1" dirty="0" err="1"/>
+              <a:t>welcome.php</a:t>
+            </a:r>
+            <a:endParaRPr lang="en-GB" b="1" dirty="0"/>
+          </a:p>
+          <a:p>
+            <a:pPr>
+              <a:buFont typeface="Arial" panose="020B0604020202020204" pitchFamily="34" charset="0"/>
+              <a:buChar char="•"/>
+            </a:pPr>
+            <a:r>
+              <a:rPr lang="en-GB" dirty="0"/>
+              <a:t>Display a welcome message that includes the username of the logged-in user.</a:t>
+            </a:r>
+          </a:p>
+          <a:p>
+            <a:pPr>
+              <a:buFont typeface="Arial" panose="020B0604020202020204" pitchFamily="34" charset="0"/>
+              <a:buChar char="•"/>
+            </a:pPr>
+            <a:r>
+              <a:rPr lang="en-GB" dirty="0"/>
+              <a:t>Provide a link to log out (which will redirect to </a:t>
+            </a:r>
+            <a:r>
+              <a:rPr lang="en-GB" dirty="0" err="1"/>
+              <a:t>logout.php</a:t>
+            </a:r>
+            <a:r>
+              <a:rPr lang="en-GB" dirty="0"/>
+              <a:t>).</a:t>
+            </a:r>
+          </a:p>
+          <a:p>
+            <a:r>
+              <a:rPr lang="en-GB" b="1" dirty="0"/>
+              <a:t>Key Components:</a:t>
+            </a:r>
+            <a:endParaRPr lang="en-GB" dirty="0"/>
+          </a:p>
+          <a:p>
+            <a:pPr>
+              <a:buFont typeface="Arial" panose="020B0604020202020204" pitchFamily="34" charset="0"/>
+              <a:buChar char="•"/>
+            </a:pPr>
+            <a:r>
+              <a:rPr lang="en-GB" dirty="0"/>
+              <a:t>Implement session management to check if the user is logged in.</a:t>
+            </a:r>
+          </a:p>
+          <a:p>
+            <a:pPr>
+              <a:buFont typeface="Arial" panose="020B0604020202020204" pitchFamily="34" charset="0"/>
+              <a:buChar char="•"/>
+            </a:pPr>
+            <a:r>
+              <a:rPr lang="en-GB" dirty="0"/>
+              <a:t>Style the welcome message using CSS.</a:t>
+            </a:r>
+          </a:p>
+          <a:p>
+            <a:r>
+              <a:rPr lang="en-GB" b="1" dirty="0"/>
+              <a:t>3. </a:t>
+            </a:r>
+            <a:r>
+              <a:rPr lang="en-GB" b="1" dirty="0" err="1"/>
+              <a:t>logout.php</a:t>
+            </a:r>
+            <a:endParaRPr lang="en-GB" b="1" dirty="0"/>
+          </a:p>
+          <a:p>
+            <a:pPr>
+              <a:buFont typeface="Arial" panose="020B0604020202020204" pitchFamily="34" charset="0"/>
+              <a:buChar char="•"/>
+            </a:pPr>
+            <a:r>
+              <a:rPr lang="en-GB" dirty="0"/>
+              <a:t>Destroy the session and redirect the user back to </a:t>
+            </a:r>
+            <a:r>
+              <a:rPr lang="en-GB" dirty="0" err="1"/>
+              <a:t>login.php</a:t>
+            </a:r>
+            <a:r>
+              <a:rPr lang="en-GB" dirty="0"/>
+              <a:t>.</a:t>
+            </a:r>
+          </a:p>
+          <a:p>
+            <a:r>
+              <a:rPr lang="en-GB" b="1" dirty="0"/>
+              <a:t>Key Components:</a:t>
+            </a:r>
+            <a:endParaRPr lang="en-GB" dirty="0"/>
+          </a:p>
+          <a:p>
+            <a:pPr>
+              <a:buFont typeface="Arial" panose="020B0604020202020204" pitchFamily="34" charset="0"/>
+              <a:buChar char="•"/>
+            </a:pPr>
+            <a:r>
+              <a:rPr lang="en-GB" dirty="0"/>
+              <a:t>Implement session destruction.</a:t>
+            </a:r>
+          </a:p>
+          <a:p>
+            <a:r>
+              <a:rPr lang="en-GB" b="1" dirty="0"/>
+              <a:t>4. </a:t>
+            </a:r>
+            <a:r>
+              <a:rPr lang="en-GB" b="1" dirty="0" err="1"/>
+              <a:t>styles.css</a:t>
+            </a:r>
+            <a:endParaRPr lang="en-GB" b="1" dirty="0"/>
+          </a:p>
+          <a:p>
+            <a:pPr>
+              <a:buFont typeface="Arial" panose="020B0604020202020204" pitchFamily="34" charset="0"/>
+              <a:buChar char="•"/>
+            </a:pPr>
+            <a:r>
+              <a:rPr lang="en-GB" dirty="0"/>
+              <a:t>Design the layout and style of the login and welcome pages.</a:t>
+            </a:r>
+          </a:p>
+          <a:p>
+            <a:pPr>
+              <a:buFont typeface="Arial" panose="020B0604020202020204" pitchFamily="34" charset="0"/>
+              <a:buChar char="•"/>
+            </a:pPr>
+            <a:r>
+              <a:rPr lang="en-GB" dirty="0"/>
+              <a:t>Include styles for: </a:t>
+            </a:r>
+          </a:p>
+          <a:p>
+            <a:pPr marL="742950" lvl="1" indent="-285750">
+              <a:buFont typeface="Arial" panose="020B0604020202020204" pitchFamily="34" charset="0"/>
+              <a:buChar char="•"/>
+            </a:pPr>
+            <a:r>
+              <a:rPr lang="en-GB" dirty="0"/>
+              <a:t>Body font and background</a:t>
+            </a:r>
+          </a:p>
+          <a:p>
+            <a:pPr marL="742950" lvl="1" indent="-285750">
+              <a:buFont typeface="Arial" panose="020B0604020202020204" pitchFamily="34" charset="0"/>
+              <a:buChar char="•"/>
+            </a:pPr>
+            <a:r>
+              <a:rPr lang="en-GB" dirty="0"/>
+              <a:t>Container for the forms</a:t>
+            </a:r>
+          </a:p>
+          <a:p>
+            <a:pPr marL="742950" lvl="1" indent="-285750">
+              <a:buFont typeface="Arial" panose="020B0604020202020204" pitchFamily="34" charset="0"/>
+              <a:buChar char="•"/>
+            </a:pPr>
+            <a:r>
+              <a:rPr lang="en-GB" dirty="0"/>
+              <a:t>Button styles</a:t>
+            </a:r>
+          </a:p>
+          <a:p>
+            <a:pPr marL="742950" lvl="1" indent="-285750">
+              <a:buFont typeface="Arial" panose="020B0604020202020204" pitchFamily="34" charset="0"/>
+              <a:buChar char="•"/>
+            </a:pPr>
+            <a:r>
+              <a:rPr lang="en-GB" dirty="0"/>
+              <a:t>Error message styling</a:t>
+            </a:r>
+          </a:p>
+          <a:p>
+            <a:r>
+              <a:rPr lang="en-GB" b="1" dirty="0"/>
+              <a:t>Deliverables</a:t>
+            </a:r>
+          </a:p>
+          <a:p>
+            <a:pPr>
+              <a:buFont typeface="Arial" panose="020B0604020202020204" pitchFamily="34" charset="0"/>
+              <a:buChar char="•"/>
+            </a:pPr>
+            <a:r>
+              <a:rPr lang="en-GB" dirty="0"/>
+              <a:t>Submit the four PHP files and the CSS file.</a:t>
+            </a:r>
+          </a:p>
+          <a:p>
+            <a:pPr>
+              <a:buFont typeface="Arial" panose="020B0604020202020204" pitchFamily="34" charset="0"/>
+              <a:buChar char="•"/>
+            </a:pPr>
+            <a:r>
+              <a:rPr lang="en-GB" dirty="0"/>
+              <a:t>Ensure that your code is well-organized and commented.</a:t>
+            </a:r>
+          </a:p>
+          <a:p>
+            <a:r>
+              <a:rPr lang="en-GB" b="1" dirty="0"/>
+              <a:t>Bonus Challenge</a:t>
+            </a:r>
+          </a:p>
+          <a:p>
+            <a:pPr>
+              <a:buFont typeface="Arial" panose="020B0604020202020204" pitchFamily="34" charset="0"/>
+              <a:buChar char="•"/>
+            </a:pPr>
+            <a:r>
+              <a:rPr lang="en-GB" dirty="0"/>
+              <a:t>Implement password hashing (using </a:t>
+            </a:r>
+            <a:r>
+              <a:rPr lang="en-GB" dirty="0" err="1"/>
+              <a:t>password_hash</a:t>
+            </a:r>
+            <a:r>
+              <a:rPr lang="en-GB" dirty="0"/>
+              <a:t>() and </a:t>
+            </a:r>
+            <a:r>
+              <a:rPr lang="en-GB" dirty="0" err="1"/>
+              <a:t>password_verify</a:t>
+            </a:r>
+            <a:r>
+              <a:rPr lang="en-GB" dirty="0"/>
+              <a:t>()) for better security.</a:t>
+            </a:r>
+          </a:p>
+          <a:p>
+            <a:pPr>
+              <a:buFont typeface="Arial" panose="020B0604020202020204" pitchFamily="34" charset="0"/>
+              <a:buChar char="•"/>
+            </a:pPr>
+            <a:r>
+              <a:rPr lang="en-GB" dirty="0"/>
+              <a:t>Add a "Remember Me" checkbox to keep users logged in even after closing the browser.</a:t>
+            </a:r>
+          </a:p>
+          <a:p>
+            <a:r>
+              <a:rPr lang="en-GB" b="1" dirty="0"/>
+              <a:t>Evaluation Criteria</a:t>
+            </a:r>
+          </a:p>
+          <a:p>
+            <a:pPr>
+              <a:buFont typeface="Arial" panose="020B0604020202020204" pitchFamily="34" charset="0"/>
+              <a:buChar char="•"/>
+            </a:pPr>
+            <a:r>
+              <a:rPr lang="en-GB" dirty="0"/>
+              <a:t>Functionality: Does the login system work correctly?</a:t>
+            </a:r>
+          </a:p>
+          <a:p>
+            <a:pPr>
+              <a:buFont typeface="Arial" panose="020B0604020202020204" pitchFamily="34" charset="0"/>
+              <a:buChar char="•"/>
+            </a:pPr>
+            <a:r>
+              <a:rPr lang="en-GB" dirty="0"/>
+              <a:t>Code quality: Is the code clean, well-structured, and commented?</a:t>
+            </a:r>
+          </a:p>
+          <a:p>
+            <a:pPr>
+              <a:buFont typeface="Arial" panose="020B0604020202020204" pitchFamily="34" charset="0"/>
+              <a:buChar char="•"/>
+            </a:pPr>
+            <a:r>
+              <a:rPr lang="en-GB" dirty="0"/>
+              <a:t>Styling: Does the CSS enhance the user experience?</a:t>
+            </a:r>
+          </a:p>
+          <a:p>
+            <a:pPr>
+              <a:buFont typeface="Arial" panose="020B0604020202020204" pitchFamily="34" charset="0"/>
+              <a:buChar char="•"/>
+            </a:pPr>
+            <a:r>
+              <a:rPr lang="en-GB" dirty="0"/>
+              <a:t>Creativity: Are there any extra features or improvements?</a:t>
+            </a:r>
+          </a:p>
+          <a:p>
+            <a:r>
+              <a:rPr lang="en-GB" b="1" dirty="0"/>
+              <a:t> </a:t>
+            </a:r>
+            <a:endParaRPr lang="en-GB" dirty="0"/>
+          </a:p>
+          <a:p>
+            <a:endParaRPr lang="en-DK" dirty="0"/>
+          </a:p>
+        </p:txBody>
+      </p:sp>
+    </p:spTree>
+    <p:extLst>
+      <p:ext uri="{BB962C8B-B14F-4D97-AF65-F5344CB8AC3E}">
+        <p14:creationId xmlns:p14="http://schemas.microsoft.com/office/powerpoint/2010/main" val="610997337"/>
+      </p:ext>
+    </p:extLst>
+  </p:cSld>
+  <p:clrMapOvr>
+    <a:masterClrMapping/>
+  </p:clrMapOvr>
+</p:sld>
+</file>
+
 <file path=ppt/slides/slide5.xml><?xml version="1.0" encoding="utf-8"?>
 <p:sld xmlns:a="http://schemas.openxmlformats.org/drawingml/2006/main" xmlns:r="http://schemas.openxmlformats.org/officeDocument/2006/relationships" xmlns:p="http://schemas.openxmlformats.org/presentationml/2006/main">
   <p:cSld>
@@ -20945,17 +21504,6 @@
 </file>
 
 <file path=customXml/item1.xml><?xml version="1.0" encoding="utf-8"?>
-<p:properties xmlns:p="http://schemas.microsoft.com/office/2006/metadata/properties" xmlns:xsi="http://www.w3.org/2001/XMLSchema-instance" xmlns:pc="http://schemas.microsoft.com/office/infopath/2007/PartnerControls">
-  <documentManagement>
-    <lcf76f155ced4ddcb4097134ff3c332f xmlns="4c941f20-14ce-4665-b291-94eb918ebf61">
-      <Terms xmlns="http://schemas.microsoft.com/office/infopath/2007/PartnerControls"/>
-    </lcf76f155ced4ddcb4097134ff3c332f>
-    <TaxCatchAll xmlns="462ed1df-cb75-4587-b36b-8b9f72fea3cc" xsi:nil="true"/>
-  </documentManagement>
-</p:properties>
-</file>
-
-<file path=customXml/item2.xml><?xml version="1.0" encoding="utf-8"?>
 <?mso-contentType ?>
 <FormTemplates xmlns="http://schemas.microsoft.com/sharepoint/v3/contenttype/forms">
   <Display>DocumentLibraryForm</Display>
@@ -20964,7 +21512,7 @@
 </FormTemplates>
 </file>
 
-<file path=customXml/item3.xml><?xml version="1.0" encoding="utf-8"?>
+<file path=customXml/item2.xml><?xml version="1.0" encoding="utf-8"?>
 <ct:contentTypeSchema xmlns:ct="http://schemas.microsoft.com/office/2006/metadata/contentType" xmlns:ma="http://schemas.microsoft.com/office/2006/metadata/properties/metaAttributes" ct:_="" ma:_="" ma:contentTypeName="Document" ma:contentTypeID="0x010100C7DB9406436736408CD9311F4BED34AF" ma:contentTypeVersion="15" ma:contentTypeDescription="Create a new document." ma:contentTypeScope="" ma:versionID="8ff7c457a4ec4e9c04cc5501e8d20923">
   <xsd:schema xmlns:xsd="http://www.w3.org/2001/XMLSchema" xmlns:xs="http://www.w3.org/2001/XMLSchema" xmlns:p="http://schemas.microsoft.com/office/2006/metadata/properties" xmlns:ns2="4c941f20-14ce-4665-b291-94eb918ebf61" xmlns:ns3="462ed1df-cb75-4587-b36b-8b9f72fea3cc" targetNamespace="http://schemas.microsoft.com/office/2006/metadata/properties" ma:root="true" ma:fieldsID="987ceea7d37db2b38412e321c3ceb378" ns2:_="" ns3:_="">
     <xsd:import namespace="4c941f20-14ce-4665-b291-94eb918ebf61"/>
@@ -21199,7 +21747,45 @@
 </ct:contentTypeSchema>
 </file>
 
+<file path=customXml/item3.xml><?xml version="1.0" encoding="utf-8"?>
+<p:properties xmlns:p="http://schemas.microsoft.com/office/2006/metadata/properties" xmlns:xsi="http://www.w3.org/2001/XMLSchema-instance" xmlns:pc="http://schemas.microsoft.com/office/infopath/2007/PartnerControls">
+  <documentManagement>
+    <lcf76f155ced4ddcb4097134ff3c332f xmlns="4c941f20-14ce-4665-b291-94eb918ebf61">
+      <Terms xmlns="http://schemas.microsoft.com/office/infopath/2007/PartnerControls"/>
+    </lcf76f155ced4ddcb4097134ff3c332f>
+    <TaxCatchAll xmlns="462ed1df-cb75-4587-b36b-8b9f72fea3cc" xsi:nil="true"/>
+  </documentManagement>
+</p:properties>
+</file>
+
 <file path=customXml/itemProps1.xml><?xml version="1.0" encoding="utf-8"?>
+<ds:datastoreItem xmlns:ds="http://schemas.openxmlformats.org/officeDocument/2006/customXml" ds:itemID="{6F1E10D2-6CAA-4E23-BD38-80AD0F2B8CC1}">
+  <ds:schemaRefs>
+    <ds:schemaRef ds:uri="http://schemas.microsoft.com/sharepoint/v3/contenttype/forms"/>
+  </ds:schemaRefs>
+</ds:datastoreItem>
+</file>
+
+<file path=customXml/itemProps2.xml><?xml version="1.0" encoding="utf-8"?>
+<ds:datastoreItem xmlns:ds="http://schemas.openxmlformats.org/officeDocument/2006/customXml" ds:itemID="{868FD982-B192-4489-9DAB-51F5E81346CC}">
+  <ds:schemaRefs>
+    <ds:schemaRef ds:uri="http://schemas.microsoft.com/office/2006/metadata/contentType"/>
+    <ds:schemaRef ds:uri="http://schemas.microsoft.com/office/2006/metadata/properties/metaAttributes"/>
+    <ds:schemaRef ds:uri="http://www.w3.org/2001/XMLSchema"/>
+    <ds:schemaRef ds:uri="http://schemas.microsoft.com/office/2006/metadata/properties"/>
+    <ds:schemaRef ds:uri="4c941f20-14ce-4665-b291-94eb918ebf61"/>
+    <ds:schemaRef ds:uri="462ed1df-cb75-4587-b36b-8b9f72fea3cc"/>
+    <ds:schemaRef ds:uri="http://schemas.microsoft.com/office/2006/documentManagement/types"/>
+    <ds:schemaRef ds:uri="http://schemas.microsoft.com/office/infopath/2007/PartnerControls"/>
+    <ds:schemaRef ds:uri="http://schemas.openxmlformats.org/package/2006/metadata/core-properties"/>
+    <ds:schemaRef ds:uri="http://purl.org/dc/elements/1.1/"/>
+    <ds:schemaRef ds:uri="http://purl.org/dc/terms/"/>
+    <ds:schemaRef ds:uri="http://schemas.microsoft.com/internal/obd"/>
+  </ds:schemaRefs>
+</ds:datastoreItem>
+</file>
+
+<file path=customXml/itemProps3.xml><?xml version="1.0" encoding="utf-8"?>
 <ds:datastoreItem xmlns:ds="http://schemas.openxmlformats.org/officeDocument/2006/customXml" ds:itemID="{8A0D62BE-8CFF-444F-B5CC-3D7C2A3B1C98}">
   <ds:schemaRefs>
     <ds:schemaRef ds:uri="http://schemas.microsoft.com/office/2006/metadata/properties"/>
@@ -21216,31 +21802,4 @@
     <ds:schemaRef ds:uri="462ed1df-cb75-4587-b36b-8b9f72fea3cc"/>
   </ds:schemaRefs>
 </ds:datastoreItem>
-</file>
-
-<file path=customXml/itemProps2.xml><?xml version="1.0" encoding="utf-8"?>
-<ds:datastoreItem xmlns:ds="http://schemas.openxmlformats.org/officeDocument/2006/customXml" ds:itemID="{6F1E10D2-6CAA-4E23-BD38-80AD0F2B8CC1}">
-  <ds:schemaRefs>
-    <ds:schemaRef ds:uri="http://schemas.microsoft.com/sharepoint/v3/contenttype/forms"/>
-  </ds:schemaRefs>
-</ds:datastoreItem>
-</file>
-
-<file path=customXml/itemProps3.xml><?xml version="1.0" encoding="utf-8"?>
-<ds:datastoreItem xmlns:ds="http://schemas.openxmlformats.org/officeDocument/2006/customXml" ds:itemID="{868FD982-B192-4489-9DAB-51F5E81346CC}">
-  <ds:schemaRefs>
-    <ds:schemaRef ds:uri="http://schemas.microsoft.com/office/2006/metadata/contentType"/>
-    <ds:schemaRef ds:uri="http://schemas.microsoft.com/office/2006/metadata/properties/metaAttributes"/>
-    <ds:schemaRef ds:uri="http://www.w3.org/2001/XMLSchema"/>
-    <ds:schemaRef ds:uri="http://schemas.microsoft.com/office/2006/metadata/properties"/>
-    <ds:schemaRef ds:uri="4c941f20-14ce-4665-b291-94eb918ebf61"/>
-    <ds:schemaRef ds:uri="462ed1df-cb75-4587-b36b-8b9f72fea3cc"/>
-    <ds:schemaRef ds:uri="http://schemas.microsoft.com/office/2006/documentManagement/types"/>
-    <ds:schemaRef ds:uri="http://schemas.microsoft.com/office/infopath/2007/PartnerControls"/>
-    <ds:schemaRef ds:uri="http://schemas.openxmlformats.org/package/2006/metadata/core-properties"/>
-    <ds:schemaRef ds:uri="http://purl.org/dc/elements/1.1/"/>
-    <ds:schemaRef ds:uri="http://purl.org/dc/terms/"/>
-    <ds:schemaRef ds:uri="http://schemas.microsoft.com/internal/obd"/>
-  </ds:schemaRefs>
-</ds:datastoreItem>
 </file>